--- a/SANDBOX Training Tables.pptx
+++ b/SANDBOX Training Tables.pptx
@@ -18,6 +18,7 @@
     <p:sldId id="265" r:id="rId12"/>
     <p:sldId id="266" r:id="rId13"/>
     <p:sldId id="267" r:id="rId14"/>
+    <p:sldId id="269" r:id="rId15"/>
   </p:sldIdLst>
   <p:sldSz cx="12192000" cy="6858000"/>
   <p:notesSz cx="6950075" cy="9236075"/>
@@ -271,7 +272,7 @@
           <a:p>
             <a:fld id="{E000576E-5D4A-4F97-83CF-A4CD79907225}" type="datetimeFigureOut">
               <a:rPr lang="en-US" smtClean="0"/>
-              <a:t>6/2/2022</a:t>
+              <a:t>6/8/2022</a:t>
             </a:fld>
             <a:endParaRPr lang="en-US"/>
           </a:p>
@@ -469,7 +470,7 @@
           <a:p>
             <a:fld id="{E000576E-5D4A-4F97-83CF-A4CD79907225}" type="datetimeFigureOut">
               <a:rPr lang="en-US" smtClean="0"/>
-              <a:t>6/2/2022</a:t>
+              <a:t>6/8/2022</a:t>
             </a:fld>
             <a:endParaRPr lang="en-US"/>
           </a:p>
@@ -677,7 +678,7 @@
           <a:p>
             <a:fld id="{E000576E-5D4A-4F97-83CF-A4CD79907225}" type="datetimeFigureOut">
               <a:rPr lang="en-US" smtClean="0"/>
-              <a:t>6/2/2022</a:t>
+              <a:t>6/8/2022</a:t>
             </a:fld>
             <a:endParaRPr lang="en-US"/>
           </a:p>
@@ -875,7 +876,7 @@
           <a:p>
             <a:fld id="{E000576E-5D4A-4F97-83CF-A4CD79907225}" type="datetimeFigureOut">
               <a:rPr lang="en-US" smtClean="0"/>
-              <a:t>6/2/2022</a:t>
+              <a:t>6/8/2022</a:t>
             </a:fld>
             <a:endParaRPr lang="en-US"/>
           </a:p>
@@ -1150,7 +1151,7 @@
           <a:p>
             <a:fld id="{E000576E-5D4A-4F97-83CF-A4CD79907225}" type="datetimeFigureOut">
               <a:rPr lang="en-US" smtClean="0"/>
-              <a:t>6/2/2022</a:t>
+              <a:t>6/8/2022</a:t>
             </a:fld>
             <a:endParaRPr lang="en-US"/>
           </a:p>
@@ -1415,7 +1416,7 @@
           <a:p>
             <a:fld id="{E000576E-5D4A-4F97-83CF-A4CD79907225}" type="datetimeFigureOut">
               <a:rPr lang="en-US" smtClean="0"/>
-              <a:t>6/2/2022</a:t>
+              <a:t>6/8/2022</a:t>
             </a:fld>
             <a:endParaRPr lang="en-US"/>
           </a:p>
@@ -1827,7 +1828,7 @@
           <a:p>
             <a:fld id="{E000576E-5D4A-4F97-83CF-A4CD79907225}" type="datetimeFigureOut">
               <a:rPr lang="en-US" smtClean="0"/>
-              <a:t>6/2/2022</a:t>
+              <a:t>6/8/2022</a:t>
             </a:fld>
             <a:endParaRPr lang="en-US"/>
           </a:p>
@@ -1968,7 +1969,7 @@
           <a:p>
             <a:fld id="{E000576E-5D4A-4F97-83CF-A4CD79907225}" type="datetimeFigureOut">
               <a:rPr lang="en-US" smtClean="0"/>
-              <a:t>6/2/2022</a:t>
+              <a:t>6/8/2022</a:t>
             </a:fld>
             <a:endParaRPr lang="en-US"/>
           </a:p>
@@ -2081,7 +2082,7 @@
           <a:p>
             <a:fld id="{E000576E-5D4A-4F97-83CF-A4CD79907225}" type="datetimeFigureOut">
               <a:rPr lang="en-US" smtClean="0"/>
-              <a:t>6/2/2022</a:t>
+              <a:t>6/8/2022</a:t>
             </a:fld>
             <a:endParaRPr lang="en-US"/>
           </a:p>
@@ -2392,7 +2393,7 @@
           <a:p>
             <a:fld id="{E000576E-5D4A-4F97-83CF-A4CD79907225}" type="datetimeFigureOut">
               <a:rPr lang="en-US" smtClean="0"/>
-              <a:t>6/2/2022</a:t>
+              <a:t>6/8/2022</a:t>
             </a:fld>
             <a:endParaRPr lang="en-US"/>
           </a:p>
@@ -2680,7 +2681,7 @@
           <a:p>
             <a:fld id="{E000576E-5D4A-4F97-83CF-A4CD79907225}" type="datetimeFigureOut">
               <a:rPr lang="en-US" smtClean="0"/>
-              <a:t>6/2/2022</a:t>
+              <a:t>6/8/2022</a:t>
             </a:fld>
             <a:endParaRPr lang="en-US"/>
           </a:p>
@@ -2921,7 +2922,7 @@
           <a:p>
             <a:fld id="{E000576E-5D4A-4F97-83CF-A4CD79907225}" type="datetimeFigureOut">
               <a:rPr lang="en-US" smtClean="0"/>
-              <a:t>6/2/2022</a:t>
+              <a:t>6/8/2022</a:t>
             </a:fld>
             <a:endParaRPr lang="en-US"/>
           </a:p>
@@ -11809,6 +11810,89 @@
 </p:sld>
 </file>
 
+<file path=ppt/slides/slide14.xml><?xml version="1.0" encoding="utf-8"?>
+<p:sld xmlns:a="http://schemas.openxmlformats.org/drawingml/2006/main" xmlns:r="http://schemas.openxmlformats.org/officeDocument/2006/relationships" xmlns:p="http://schemas.openxmlformats.org/presentationml/2006/main">
+  <p:cSld>
+    <p:spTree>
+      <p:nvGrpSpPr>
+        <p:cNvPr id="1" name=""/>
+        <p:cNvGrpSpPr/>
+        <p:nvPr/>
+      </p:nvGrpSpPr>
+      <p:grpSpPr>
+        <a:xfrm>
+          <a:off x="0" y="0"/>
+          <a:ext cx="0" cy="0"/>
+          <a:chOff x="0" y="0"/>
+          <a:chExt cx="0" cy="0"/>
+        </a:xfrm>
+      </p:grpSpPr>
+      <p:sp>
+        <p:nvSpPr>
+          <p:cNvPr id="2" name="Title 1">
+            <a:extLst>
+              <a:ext uri="{FF2B5EF4-FFF2-40B4-BE49-F238E27FC236}">
+                <a16:creationId xmlns:a16="http://schemas.microsoft.com/office/drawing/2014/main" id="{3CCD5140-1867-4C48-8DF6-4ACF19E5402F}"/>
+              </a:ext>
+            </a:extLst>
+          </p:cNvPr>
+          <p:cNvSpPr>
+            <a:spLocks noGrp="1"/>
+          </p:cNvSpPr>
+          <p:nvPr>
+            <p:ph type="title"/>
+          </p:nvPr>
+        </p:nvSpPr>
+        <p:spPr/>
+        <p:txBody>
+          <a:bodyPr/>
+          <a:lstStyle/>
+          <a:p>
+            <a:r>
+              <a:rPr lang="en-US" dirty="0"/>
+              <a:t>New Slide</a:t>
+            </a:r>
+          </a:p>
+        </p:txBody>
+      </p:sp>
+      <p:sp>
+        <p:nvSpPr>
+          <p:cNvPr id="3" name="Content Placeholder 2">
+            <a:extLst>
+              <a:ext uri="{FF2B5EF4-FFF2-40B4-BE49-F238E27FC236}">
+                <a16:creationId xmlns:a16="http://schemas.microsoft.com/office/drawing/2014/main" id="{22507F71-5297-4DF2-9638-B32C98350C67}"/>
+              </a:ext>
+            </a:extLst>
+          </p:cNvPr>
+          <p:cNvSpPr>
+            <a:spLocks noGrp="1"/>
+          </p:cNvSpPr>
+          <p:nvPr>
+            <p:ph idx="1"/>
+          </p:nvPr>
+        </p:nvSpPr>
+        <p:spPr/>
+        <p:txBody>
+          <a:bodyPr/>
+          <a:lstStyle/>
+          <a:p>
+            <a:endParaRPr lang="en-US" dirty="0"/>
+          </a:p>
+        </p:txBody>
+      </p:sp>
+    </p:spTree>
+    <p:extLst>
+      <p:ext uri="{BB962C8B-B14F-4D97-AF65-F5344CB8AC3E}">
+        <p14:creationId xmlns:p14="http://schemas.microsoft.com/office/powerpoint/2010/main" val="621634767"/>
+      </p:ext>
+    </p:extLst>
+  </p:cSld>
+  <p:clrMapOvr>
+    <a:masterClrMapping/>
+  </p:clrMapOvr>
+</p:sld>
+</file>
+
 <file path=ppt/slides/slide2.xml><?xml version="1.0" encoding="utf-8"?>
 <p:sld xmlns:a="http://schemas.openxmlformats.org/drawingml/2006/main" xmlns:r="http://schemas.openxmlformats.org/officeDocument/2006/relationships" xmlns:p="http://schemas.openxmlformats.org/presentationml/2006/main">
   <p:cSld>
